--- a/Игра на Pygame.pptx
+++ b/Игра на Pygame.pptx
@@ -3461,7 +3461,7 @@
         <p:spPr>
           <a:xfrm>
             <a:off x="476249" y="1727200"/>
-            <a:ext cx="10665883" cy="3572933"/>
+            <a:ext cx="10665883" cy="4362451"/>
           </a:xfrm>
           <a:prstGeom prst="roundRect">
             <a:avLst/>
@@ -3608,9 +3608,33 @@
               <a:buChar char="•"/>
             </a:pPr>
             <a:r>
-              <a:rPr lang="en-US" sz="3200" dirty="0"/>
+              <a:rPr lang="en-US" sz="3200" dirty="0" smtClean="0"/>
               <a:t>Player</a:t>
             </a:r>
+          </a:p>
+          <a:p>
+            <a:pPr marL="342900" indent="-342900">
+              <a:buFont typeface="Arial" panose="020B0604020202020204" pitchFamily="34" charset="0"/>
+              <a:buChar char="•"/>
+            </a:pPr>
+            <a:r>
+              <a:rPr lang="en-US" sz="3200" dirty="0" smtClean="0"/>
+              <a:t>Particle</a:t>
+            </a:r>
+          </a:p>
+          <a:p>
+            <a:pPr marL="342900" indent="-342900">
+              <a:buFont typeface="Arial" panose="020B0604020202020204" pitchFamily="34" charset="0"/>
+              <a:buChar char="•"/>
+            </a:pPr>
+            <a:endParaRPr lang="en-US" sz="3200" dirty="0" smtClean="0"/>
+          </a:p>
+          <a:p>
+            <a:pPr marL="342900" indent="-342900">
+              <a:buFont typeface="Arial" panose="020B0604020202020204" pitchFamily="34" charset="0"/>
+              <a:buChar char="•"/>
+            </a:pPr>
+            <a:endParaRPr lang="en-US" sz="3200" dirty="0"/>
           </a:p>
           <a:p>
             <a:endParaRPr lang="ru-RU" dirty="0"/>
